--- a/Otros/JavaScript.pptx
+++ b/Otros/JavaScript.pptx
@@ -8,7 +8,8 @@
     <p:sldId id="256" r:id="rId2"/>
     <p:sldId id="257" r:id="rId3"/>
     <p:sldId id="258" r:id="rId4"/>
-    <p:sldId id="259" r:id="rId5"/>
+    <p:sldId id="260" r:id="rId5"/>
+    <p:sldId id="259" r:id="rId6"/>
   </p:sldIdLst>
   <p:sldSz cx="12192000" cy="6858000"/>
   <p:notesSz cx="6858000" cy="9144000"/>
@@ -107,6 +108,11 @@
       </a:defRPr>
     </a:lvl9pPr>
   </p:defaultTextStyle>
+  <p:extLst>
+    <p:ext uri="{EFAFB233-063F-42B5-8137-9DF3F51BA10A}">
+      <p15:sldGuideLst xmlns:p15="http://schemas.microsoft.com/office/powerpoint/2012/main"/>
+    </p:ext>
+  </p:extLst>
 </p:presentation>
 </file>
 
@@ -259,7 +265,7 @@
           <a:p>
             <a:fld id="{FA79AFEC-1571-45FD-BB4E-522495D0CA15}" type="datetimeFigureOut">
               <a:rPr lang="es-MX" smtClean="0"/>
-              <a:t>10/04/2025</a:t>
+              <a:t>11/04/2025</a:t>
             </a:fld>
             <a:endParaRPr lang="es-MX"/>
           </a:p>
@@ -459,7 +465,7 @@
           <a:p>
             <a:fld id="{FA79AFEC-1571-45FD-BB4E-522495D0CA15}" type="datetimeFigureOut">
               <a:rPr lang="es-MX" smtClean="0"/>
-              <a:t>10/04/2025</a:t>
+              <a:t>11/04/2025</a:t>
             </a:fld>
             <a:endParaRPr lang="es-MX"/>
           </a:p>
@@ -669,7 +675,7 @@
           <a:p>
             <a:fld id="{FA79AFEC-1571-45FD-BB4E-522495D0CA15}" type="datetimeFigureOut">
               <a:rPr lang="es-MX" smtClean="0"/>
-              <a:t>10/04/2025</a:t>
+              <a:t>11/04/2025</a:t>
             </a:fld>
             <a:endParaRPr lang="es-MX"/>
           </a:p>
@@ -869,7 +875,7 @@
           <a:p>
             <a:fld id="{FA79AFEC-1571-45FD-BB4E-522495D0CA15}" type="datetimeFigureOut">
               <a:rPr lang="es-MX" smtClean="0"/>
-              <a:t>10/04/2025</a:t>
+              <a:t>11/04/2025</a:t>
             </a:fld>
             <a:endParaRPr lang="es-MX"/>
           </a:p>
@@ -1145,7 +1151,7 @@
           <a:p>
             <a:fld id="{FA79AFEC-1571-45FD-BB4E-522495D0CA15}" type="datetimeFigureOut">
               <a:rPr lang="es-MX" smtClean="0"/>
-              <a:t>10/04/2025</a:t>
+              <a:t>11/04/2025</a:t>
             </a:fld>
             <a:endParaRPr lang="es-MX"/>
           </a:p>
@@ -1413,7 +1419,7 @@
           <a:p>
             <a:fld id="{FA79AFEC-1571-45FD-BB4E-522495D0CA15}" type="datetimeFigureOut">
               <a:rPr lang="es-MX" smtClean="0"/>
-              <a:t>10/04/2025</a:t>
+              <a:t>11/04/2025</a:t>
             </a:fld>
             <a:endParaRPr lang="es-MX"/>
           </a:p>
@@ -1828,7 +1834,7 @@
           <a:p>
             <a:fld id="{FA79AFEC-1571-45FD-BB4E-522495D0CA15}" type="datetimeFigureOut">
               <a:rPr lang="es-MX" smtClean="0"/>
-              <a:t>10/04/2025</a:t>
+              <a:t>11/04/2025</a:t>
             </a:fld>
             <a:endParaRPr lang="es-MX"/>
           </a:p>
@@ -1970,7 +1976,7 @@
           <a:p>
             <a:fld id="{FA79AFEC-1571-45FD-BB4E-522495D0CA15}" type="datetimeFigureOut">
               <a:rPr lang="es-MX" smtClean="0"/>
-              <a:t>10/04/2025</a:t>
+              <a:t>11/04/2025</a:t>
             </a:fld>
             <a:endParaRPr lang="es-MX"/>
           </a:p>
@@ -2083,7 +2089,7 @@
           <a:p>
             <a:fld id="{FA79AFEC-1571-45FD-BB4E-522495D0CA15}" type="datetimeFigureOut">
               <a:rPr lang="es-MX" smtClean="0"/>
-              <a:t>10/04/2025</a:t>
+              <a:t>11/04/2025</a:t>
             </a:fld>
             <a:endParaRPr lang="es-MX"/>
           </a:p>
@@ -2396,7 +2402,7 @@
           <a:p>
             <a:fld id="{FA79AFEC-1571-45FD-BB4E-522495D0CA15}" type="datetimeFigureOut">
               <a:rPr lang="es-MX" smtClean="0"/>
-              <a:t>10/04/2025</a:t>
+              <a:t>11/04/2025</a:t>
             </a:fld>
             <a:endParaRPr lang="es-MX"/>
           </a:p>
@@ -2685,7 +2691,7 @@
           <a:p>
             <a:fld id="{FA79AFEC-1571-45FD-BB4E-522495D0CA15}" type="datetimeFigureOut">
               <a:rPr lang="es-MX" smtClean="0"/>
-              <a:t>10/04/2025</a:t>
+              <a:t>11/04/2025</a:t>
             </a:fld>
             <a:endParaRPr lang="es-MX"/>
           </a:p>
@@ -2928,7 +2934,7 @@
           <a:p>
             <a:fld id="{FA79AFEC-1571-45FD-BB4E-522495D0CA15}" type="datetimeFigureOut">
               <a:rPr lang="es-MX" smtClean="0"/>
-              <a:t>10/04/2025</a:t>
+              <a:t>11/04/2025</a:t>
             </a:fld>
             <a:endParaRPr lang="es-MX"/>
           </a:p>
@@ -3406,14 +3412,52 @@
         </p:nvSpPr>
         <p:spPr/>
         <p:txBody>
-          <a:bodyPr/>
-          <a:lstStyle/>
-          <a:p>
-            <a:r>
-              <a:rPr lang="es-MX" dirty="0">
+          <a:bodyPr>
+            <a:normAutofit/>
+          </a:bodyPr>
+          <a:lstStyle/>
+          <a:p>
+            <a:r>
+              <a:rPr lang="es-MX" sz="2000" dirty="0" err="1">
+                <a:solidFill>
+                  <a:srgbClr val="FF0000"/>
+                </a:solidFill>
                 <a:latin typeface="OCR A Std" panose="020F0609000104060307" pitchFamily="49" charset="0"/>
               </a:rPr>
-              <a:t>Programación web : Tercer parcial</a:t>
+              <a:t>Programación.Web</a:t>
+            </a:r>
+            <a:r>
+              <a:rPr lang="es-MX" sz="2000" dirty="0">
+                <a:latin typeface="OCR A Std" panose="020F0609000104060307" pitchFamily="49" charset="0"/>
+              </a:rPr>
+              <a:t> = </a:t>
+            </a:r>
+            <a:r>
+              <a:rPr lang="es-MX" sz="2000" dirty="0" err="1">
+                <a:latin typeface="OCR A Std" panose="020F0609000104060307" pitchFamily="49" charset="0"/>
+              </a:rPr>
+              <a:t>event</a:t>
+            </a:r>
+            <a:r>
+              <a:rPr lang="es-MX" sz="2000" dirty="0">
+                <a:latin typeface="OCR A Std" panose="020F0609000104060307" pitchFamily="49" charset="0"/>
+              </a:rPr>
+              <a:t>(</a:t>
+            </a:r>
+            <a:r>
+              <a:rPr lang="es-MX" sz="2000" dirty="0">
+                <a:solidFill>
+                  <a:schemeClr val="accent6"/>
+                </a:solidFill>
+                <a:latin typeface="OCR A Std" panose="020F0609000104060307" pitchFamily="49" charset="0"/>
+              </a:rPr>
+              <a:t>Tercer parcial</a:t>
+            </a:r>
+            <a:r>
+              <a:rPr lang="es-MX" sz="2000" dirty="0">
+                <a:latin typeface="OCR A Std" panose="020F0609000104060307" pitchFamily="49" charset="0"/>
+              </a:rPr>
+              <a:t>);</a:t>
             </a:r>
           </a:p>
         </p:txBody>
@@ -3523,7 +3567,25 @@
                 </a:solidFill>
                 <a:latin typeface="OCR A Std" panose="020F0609000104060307" pitchFamily="49" charset="0"/>
               </a:rPr>
-              <a:t>¿Qué es?</a:t>
+              <a:t>¿</a:t>
+            </a:r>
+            <a:r>
+              <a:rPr lang="es-MX" dirty="0">
+                <a:solidFill>
+                  <a:schemeClr val="accent1"/>
+                </a:solidFill>
+                <a:latin typeface="OCR A Std" panose="020F0609000104060307" pitchFamily="49" charset="0"/>
+              </a:rPr>
+              <a:t>Qué</a:t>
+            </a:r>
+            <a:r>
+              <a:rPr lang="es-MX" dirty="0">
+                <a:solidFill>
+                  <a:schemeClr val="bg1"/>
+                </a:solidFill>
+                <a:latin typeface="OCR A Std" panose="020F0609000104060307" pitchFamily="49" charset="0"/>
+              </a:rPr>
+              <a:t> es?</a:t>
             </a:r>
           </a:p>
         </p:txBody>
@@ -3563,7 +3625,37 @@
               <a:rPr lang="es-ES" sz="2000" dirty="0">
                 <a:latin typeface="OCR A Std" panose="020F0609000104060307" pitchFamily="49" charset="0"/>
               </a:rPr>
-              <a:t>Es la tercera capa del pastel de las tecnologías web estándar, que se presentaba como un lenguaje de scripting o de comandos para el desarrollo de páginas web. Es un lenguaje de secuencias de comandos que te permite crear contenido de actualización dinámica, controlar multimedia, animar imágenes y prácticamente todo lo demás. </a:t>
+              <a:t>Es la </a:t>
+            </a:r>
+            <a:r>
+              <a:rPr lang="es-ES" sz="2000" dirty="0">
+                <a:solidFill>
+                  <a:schemeClr val="accent6"/>
+                </a:solidFill>
+                <a:latin typeface="OCR A Std" panose="020F0609000104060307" pitchFamily="49" charset="0"/>
+              </a:rPr>
+              <a:t>tercera capa</a:t>
+            </a:r>
+            <a:r>
+              <a:rPr lang="es-ES" sz="2000" dirty="0">
+                <a:latin typeface="OCR A Std" panose="020F0609000104060307" pitchFamily="49" charset="0"/>
+              </a:rPr>
+              <a:t> del pastel de las tecnologías web estándar, que se presentaba como un </a:t>
+            </a:r>
+            <a:r>
+              <a:rPr lang="es-ES" sz="2000" dirty="0">
+                <a:solidFill>
+                  <a:schemeClr val="accent1"/>
+                </a:solidFill>
+                <a:latin typeface="OCR A Std" panose="020F0609000104060307" pitchFamily="49" charset="0"/>
+              </a:rPr>
+              <a:t>lenguaje de scripting o de comandos</a:t>
+            </a:r>
+            <a:r>
+              <a:rPr lang="es-ES" sz="2000" dirty="0">
+                <a:latin typeface="OCR A Std" panose="020F0609000104060307" pitchFamily="49" charset="0"/>
+              </a:rPr>
+              <a:t> para el desarrollo de páginas web. Es un lenguaje de secuencias de comandos que te permite crear contenido de actualización dinámica, controlar multimedia, animar imágenes y prácticamente todo lo demás. </a:t>
             </a:r>
             <a:endParaRPr lang="es-MX" sz="2000" dirty="0">
               <a:latin typeface="OCR A Std" panose="020F0609000104060307" pitchFamily="49" charset="0"/>
@@ -3705,15 +3797,15 @@
         </p:spPr>
         <p:style>
           <a:lnRef idx="2">
-            <a:schemeClr val="accent2">
+            <a:schemeClr val="accent6">
               <a:shade val="50000"/>
             </a:schemeClr>
           </a:lnRef>
           <a:fillRef idx="1">
-            <a:schemeClr val="accent2"/>
+            <a:schemeClr val="accent6"/>
           </a:fillRef>
           <a:effectRef idx="0">
-            <a:schemeClr val="accent2"/>
+            <a:schemeClr val="accent6"/>
           </a:effectRef>
           <a:fontRef idx="minor">
             <a:schemeClr val="lt1"/>
@@ -4078,7 +4170,16 @@
               <a:rPr lang="es-ES" sz="2000" dirty="0">
                 <a:latin typeface="OCR A Std" panose="020F0609000104060307" pitchFamily="49" charset="0"/>
               </a:rPr>
-              <a:t>	Se utiliza para la creación de páginas web.</a:t>
+              <a:t>	Se utiliza para la </a:t>
+            </a:r>
+            <a:r>
+              <a:rPr lang="es-ES" sz="2000" dirty="0">
+                <a:solidFill>
+                  <a:schemeClr val="accent6"/>
+                </a:solidFill>
+                <a:latin typeface="OCR A Std" panose="020F0609000104060307" pitchFamily="49" charset="0"/>
+              </a:rPr>
+              <a:t>creación de páginas web.</a:t>
             </a:r>
           </a:p>
           <a:p>
@@ -4099,7 +4200,22 @@
               <a:rPr lang="es-ES" sz="2000" dirty="0">
                 <a:latin typeface="OCR A Std" panose="020F0609000104060307" pitchFamily="49" charset="0"/>
               </a:rPr>
-              <a:t> Es un lenguaje de programación que colabora en el desarrollo del Backend de cualquier aplicación.</a:t>
+              <a:t> Es un lenguaje de programación que </a:t>
+            </a:r>
+            <a:r>
+              <a:rPr lang="es-ES" sz="2000" dirty="0">
+                <a:solidFill>
+                  <a:schemeClr val="accent1"/>
+                </a:solidFill>
+                <a:latin typeface="OCR A Std" panose="020F0609000104060307" pitchFamily="49" charset="0"/>
+              </a:rPr>
+              <a:t>colabora en el desarrollo del Backend</a:t>
+            </a:r>
+            <a:r>
+              <a:rPr lang="es-ES" sz="2000" dirty="0">
+                <a:latin typeface="OCR A Std" panose="020F0609000104060307" pitchFamily="49" charset="0"/>
+              </a:rPr>
+              <a:t> de cualquier aplicación.</a:t>
             </a:r>
           </a:p>
           <a:p>
@@ -4154,7 +4270,7 @@
           <p:cNvPr id="2" name="Título 1">
             <a:extLst>
               <a:ext uri="{FF2B5EF4-FFF2-40B4-BE49-F238E27FC236}">
-                <a16:creationId xmlns:a16="http://schemas.microsoft.com/office/drawing/2014/main" id="{D7869915-3F0A-407C-A4F8-73DDA4B75902}"/>
+                <a16:creationId xmlns:a16="http://schemas.microsoft.com/office/drawing/2014/main" id="{8DCE46AB-161F-43BF-A300-4A8D54210F13}"/>
               </a:ext>
             </a:extLst>
           </p:cNvPr>
@@ -4170,24 +4286,27 @@
           <a:bodyPr/>
           <a:lstStyle/>
           <a:p>
-            <a:endParaRPr lang="es-MX"/>
-          </a:p>
-        </p:txBody>
-      </p:sp>
-      <p:sp>
-        <p:nvSpPr>
-          <p:cNvPr id="3" name="Marcador de texto 2">
-            <a:extLst>
-              <a:ext uri="{FF2B5EF4-FFF2-40B4-BE49-F238E27FC236}">
-                <a16:creationId xmlns:a16="http://schemas.microsoft.com/office/drawing/2014/main" id="{9005CFF4-B04F-4760-B39F-2E9CFB61DB16}"/>
-              </a:ext>
-            </a:extLst>
-          </p:cNvPr>
-          <p:cNvSpPr>
-            <a:spLocks noGrp="1"/>
-          </p:cNvSpPr>
-          <p:nvPr>
-            <p:ph type="body" idx="1"/>
+            <a:r>
+              <a:rPr lang="es-MX" dirty="0"/>
+              <a:t>Para que se utiliza</a:t>
+            </a:r>
+          </a:p>
+        </p:txBody>
+      </p:sp>
+      <p:sp>
+        <p:nvSpPr>
+          <p:cNvPr id="3" name="Marcador de contenido 2">
+            <a:extLst>
+              <a:ext uri="{FF2B5EF4-FFF2-40B4-BE49-F238E27FC236}">
+                <a16:creationId xmlns:a16="http://schemas.microsoft.com/office/drawing/2014/main" id="{4445D5EC-868F-436C-9F55-5996292F985A}"/>
+              </a:ext>
+            </a:extLst>
+          </p:cNvPr>
+          <p:cNvSpPr>
+            <a:spLocks noGrp="1"/>
+          </p:cNvSpPr>
+          <p:nvPr>
+            <p:ph sz="half" idx="1"/>
           </p:nvPr>
         </p:nvSpPr>
         <p:spPr/>
@@ -4195,7 +4314,13 @@
           <a:bodyPr/>
           <a:lstStyle/>
           <a:p>
-            <a:endParaRPr lang="es-MX"/>
+            <a:r>
+              <a:rPr lang="es-ES" dirty="0"/>
+              <a:t>Se utiliza para mejorar la experiencia del usuario, permitiendo la manipulación de elementos en la página y la interacción con el usuario</a:t>
+            </a:r>
+          </a:p>
+          <a:p>
+            <a:endParaRPr lang="es-MX" dirty="0"/>
           </a:p>
         </p:txBody>
       </p:sp>
@@ -4204,7 +4329,7 @@
           <p:cNvPr id="4" name="Marcador de contenido 3">
             <a:extLst>
               <a:ext uri="{FF2B5EF4-FFF2-40B4-BE49-F238E27FC236}">
-                <a16:creationId xmlns:a16="http://schemas.microsoft.com/office/drawing/2014/main" id="{65BDCB95-B80E-46D7-89CA-33D9113A6344}"/>
+                <a16:creationId xmlns:a16="http://schemas.microsoft.com/office/drawing/2014/main" id="{D166821F-997A-47D5-9142-590F0E8F4EE4}"/>
               </a:ext>
             </a:extLst>
           </p:cNvPr>
@@ -4213,56 +4338,6 @@
           </p:cNvSpPr>
           <p:nvPr>
             <p:ph sz="half" idx="2"/>
-          </p:nvPr>
-        </p:nvSpPr>
-        <p:spPr/>
-        <p:txBody>
-          <a:bodyPr/>
-          <a:lstStyle/>
-          <a:p>
-            <a:endParaRPr lang="es-MX"/>
-          </a:p>
-        </p:txBody>
-      </p:sp>
-      <p:sp>
-        <p:nvSpPr>
-          <p:cNvPr id="5" name="Marcador de texto 4">
-            <a:extLst>
-              <a:ext uri="{FF2B5EF4-FFF2-40B4-BE49-F238E27FC236}">
-                <a16:creationId xmlns:a16="http://schemas.microsoft.com/office/drawing/2014/main" id="{2A2122C4-BEE7-48B4-A255-A6937A4A3D10}"/>
-              </a:ext>
-            </a:extLst>
-          </p:cNvPr>
-          <p:cNvSpPr>
-            <a:spLocks noGrp="1"/>
-          </p:cNvSpPr>
-          <p:nvPr>
-            <p:ph type="body" sz="quarter" idx="3"/>
-          </p:nvPr>
-        </p:nvSpPr>
-        <p:spPr/>
-        <p:txBody>
-          <a:bodyPr/>
-          <a:lstStyle/>
-          <a:p>
-            <a:endParaRPr lang="es-MX"/>
-          </a:p>
-        </p:txBody>
-      </p:sp>
-      <p:sp>
-        <p:nvSpPr>
-          <p:cNvPr id="6" name="Marcador de contenido 5">
-            <a:extLst>
-              <a:ext uri="{FF2B5EF4-FFF2-40B4-BE49-F238E27FC236}">
-                <a16:creationId xmlns:a16="http://schemas.microsoft.com/office/drawing/2014/main" id="{27C2E72F-93D5-4F72-97F3-ECC11154850B}"/>
-              </a:ext>
-            </a:extLst>
-          </p:cNvPr>
-          <p:cNvSpPr>
-            <a:spLocks noGrp="1"/>
-          </p:cNvSpPr>
-          <p:nvPr>
-            <p:ph sz="quarter" idx="4"/>
           </p:nvPr>
         </p:nvSpPr>
         <p:spPr/>
@@ -4277,7 +4352,679 @@
     </p:spTree>
     <p:extLst>
       <p:ext uri="{BB962C8B-B14F-4D97-AF65-F5344CB8AC3E}">
-        <p14:creationId xmlns:p14="http://schemas.microsoft.com/office/powerpoint/2010/main" val="2573958663"/>
+        <p14:creationId xmlns:p14="http://schemas.microsoft.com/office/powerpoint/2010/main" val="2309788144"/>
+      </p:ext>
+    </p:extLst>
+  </p:cSld>
+  <p:clrMapOvr>
+    <a:masterClrMapping/>
+  </p:clrMapOvr>
+</p:sld>
+</file>
+
+<file path=ppt/slides/slide5.xml><?xml version="1.0" encoding="utf-8"?>
+<p:sld xmlns:a="http://schemas.openxmlformats.org/drawingml/2006/main" xmlns:r="http://schemas.openxmlformats.org/officeDocument/2006/relationships" xmlns:p="http://schemas.openxmlformats.org/presentationml/2006/main">
+  <p:cSld>
+    <p:bg>
+      <p:bgPr>
+        <a:noFill/>
+        <a:effectLst/>
+      </p:bgPr>
+    </p:bg>
+    <p:spTree>
+      <p:nvGrpSpPr>
+        <p:cNvPr id="1" name=""/>
+        <p:cNvGrpSpPr/>
+        <p:nvPr/>
+      </p:nvGrpSpPr>
+      <p:grpSpPr>
+        <a:xfrm>
+          <a:off x="0" y="0"/>
+          <a:ext cx="0" cy="0"/>
+          <a:chOff x="0" y="0"/>
+          <a:chExt cx="0" cy="0"/>
+        </a:xfrm>
+      </p:grpSpPr>
+      <p:sp>
+        <p:nvSpPr>
+          <p:cNvPr id="3" name="Rectángulo 2">
+            <a:extLst>
+              <a:ext uri="{FF2B5EF4-FFF2-40B4-BE49-F238E27FC236}">
+                <a16:creationId xmlns:a16="http://schemas.microsoft.com/office/drawing/2014/main" id="{2239B092-A38D-4322-890F-1624BE280EE8}"/>
+              </a:ext>
+            </a:extLst>
+          </p:cNvPr>
+          <p:cNvSpPr/>
+          <p:nvPr/>
+        </p:nvSpPr>
+        <p:spPr>
+          <a:xfrm>
+            <a:off x="696000" y="729000"/>
+            <a:ext cx="10800000" cy="5400000"/>
+          </a:xfrm>
+          <a:prstGeom prst="rect">
+            <a:avLst/>
+          </a:prstGeom>
+        </p:spPr>
+        <p:style>
+          <a:lnRef idx="2">
+            <a:schemeClr val="dk1">
+              <a:shade val="50000"/>
+            </a:schemeClr>
+          </a:lnRef>
+          <a:fillRef idx="1">
+            <a:schemeClr val="dk1"/>
+          </a:fillRef>
+          <a:effectRef idx="0">
+            <a:schemeClr val="dk1"/>
+          </a:effectRef>
+          <a:fontRef idx="minor">
+            <a:schemeClr val="lt1"/>
+          </a:fontRef>
+        </p:style>
+        <p:txBody>
+          <a:bodyPr rtlCol="0" anchor="ctr"/>
+          <a:lstStyle/>
+          <a:p>
+            <a:pPr algn="ctr"/>
+            <a:endParaRPr lang="es-MX" dirty="0">
+              <a:solidFill>
+                <a:schemeClr val="bg1"/>
+              </a:solidFill>
+            </a:endParaRPr>
+          </a:p>
+        </p:txBody>
+      </p:sp>
+      <p:sp>
+        <p:nvSpPr>
+          <p:cNvPr id="4" name="Rectángulo 3">
+            <a:extLst>
+              <a:ext uri="{FF2B5EF4-FFF2-40B4-BE49-F238E27FC236}">
+                <a16:creationId xmlns:a16="http://schemas.microsoft.com/office/drawing/2014/main" id="{AE3DA354-4F28-4FC9-B96B-C61FFBF52C34}"/>
+              </a:ext>
+            </a:extLst>
+          </p:cNvPr>
+          <p:cNvSpPr/>
+          <p:nvPr/>
+        </p:nvSpPr>
+        <p:spPr>
+          <a:xfrm>
+            <a:off x="698500" y="729000"/>
+            <a:ext cx="10797500" cy="739100"/>
+          </a:xfrm>
+          <a:prstGeom prst="rect">
+            <a:avLst/>
+          </a:prstGeom>
+          <a:solidFill>
+            <a:schemeClr val="tx1">
+              <a:lumMod val="85000"/>
+              <a:lumOff val="15000"/>
+            </a:schemeClr>
+          </a:solidFill>
+        </p:spPr>
+        <p:style>
+          <a:lnRef idx="0">
+            <a:schemeClr val="dk1"/>
+          </a:lnRef>
+          <a:fillRef idx="3">
+            <a:schemeClr val="dk1"/>
+          </a:fillRef>
+          <a:effectRef idx="3">
+            <a:schemeClr val="dk1"/>
+          </a:effectRef>
+          <a:fontRef idx="minor">
+            <a:schemeClr val="lt1"/>
+          </a:fontRef>
+        </p:style>
+        <p:txBody>
+          <a:bodyPr rtlCol="0" anchor="ctr"/>
+          <a:lstStyle/>
+          <a:p>
+            <a:pPr algn="ctr"/>
+            <a:endParaRPr lang="es-MX"/>
+          </a:p>
+        </p:txBody>
+      </p:sp>
+      <p:sp>
+        <p:nvSpPr>
+          <p:cNvPr id="5" name="Elipse 4">
+            <a:extLst>
+              <a:ext uri="{FF2B5EF4-FFF2-40B4-BE49-F238E27FC236}">
+                <a16:creationId xmlns:a16="http://schemas.microsoft.com/office/drawing/2014/main" id="{08755C0E-6D22-4E9E-93F3-3FCF3352DB89}"/>
+              </a:ext>
+            </a:extLst>
+          </p:cNvPr>
+          <p:cNvSpPr/>
+          <p:nvPr/>
+        </p:nvSpPr>
+        <p:spPr>
+          <a:xfrm>
+            <a:off x="889000" y="914400"/>
+            <a:ext cx="317500" cy="317500"/>
+          </a:xfrm>
+          <a:prstGeom prst="ellipse">
+            <a:avLst/>
+          </a:prstGeom>
+        </p:spPr>
+        <p:style>
+          <a:lnRef idx="2">
+            <a:schemeClr val="accent6">
+              <a:shade val="50000"/>
+            </a:schemeClr>
+          </a:lnRef>
+          <a:fillRef idx="1">
+            <a:schemeClr val="accent6"/>
+          </a:fillRef>
+          <a:effectRef idx="0">
+            <a:schemeClr val="accent6"/>
+          </a:effectRef>
+          <a:fontRef idx="minor">
+            <a:schemeClr val="lt1"/>
+          </a:fontRef>
+        </p:style>
+        <p:txBody>
+          <a:bodyPr rtlCol="0" anchor="ctr"/>
+          <a:lstStyle/>
+          <a:p>
+            <a:pPr algn="ctr"/>
+            <a:endParaRPr lang="es-MX"/>
+          </a:p>
+        </p:txBody>
+      </p:sp>
+      <p:sp>
+        <p:nvSpPr>
+          <p:cNvPr id="6" name="Elipse 5">
+            <a:extLst>
+              <a:ext uri="{FF2B5EF4-FFF2-40B4-BE49-F238E27FC236}">
+                <a16:creationId xmlns:a16="http://schemas.microsoft.com/office/drawing/2014/main" id="{EEEC3EB9-BD77-48DF-8C03-090CA7F1117B}"/>
+              </a:ext>
+            </a:extLst>
+          </p:cNvPr>
+          <p:cNvSpPr/>
+          <p:nvPr/>
+        </p:nvSpPr>
+        <p:spPr>
+          <a:xfrm>
+            <a:off x="1358900" y="914400"/>
+            <a:ext cx="317500" cy="317500"/>
+          </a:xfrm>
+          <a:prstGeom prst="ellipse">
+            <a:avLst/>
+          </a:prstGeom>
+        </p:spPr>
+        <p:style>
+          <a:lnRef idx="2">
+            <a:schemeClr val="accent4">
+              <a:shade val="50000"/>
+            </a:schemeClr>
+          </a:lnRef>
+          <a:fillRef idx="1">
+            <a:schemeClr val="accent4"/>
+          </a:fillRef>
+          <a:effectRef idx="0">
+            <a:schemeClr val="accent4"/>
+          </a:effectRef>
+          <a:fontRef idx="minor">
+            <a:schemeClr val="lt1"/>
+          </a:fontRef>
+        </p:style>
+        <p:txBody>
+          <a:bodyPr rtlCol="0" anchor="ctr"/>
+          <a:lstStyle/>
+          <a:p>
+            <a:pPr algn="ctr"/>
+            <a:endParaRPr lang="es-MX"/>
+          </a:p>
+        </p:txBody>
+      </p:sp>
+      <p:sp>
+        <p:nvSpPr>
+          <p:cNvPr id="7" name="Elipse 6">
+            <a:extLst>
+              <a:ext uri="{FF2B5EF4-FFF2-40B4-BE49-F238E27FC236}">
+                <a16:creationId xmlns:a16="http://schemas.microsoft.com/office/drawing/2014/main" id="{36556362-6731-4D84-AA61-E16FDB79EB32}"/>
+              </a:ext>
+            </a:extLst>
+          </p:cNvPr>
+          <p:cNvSpPr/>
+          <p:nvPr/>
+        </p:nvSpPr>
+        <p:spPr>
+          <a:xfrm>
+            <a:off x="1828800" y="914400"/>
+            <a:ext cx="317500" cy="317500"/>
+          </a:xfrm>
+          <a:prstGeom prst="ellipse">
+            <a:avLst/>
+          </a:prstGeom>
+        </p:spPr>
+        <p:style>
+          <a:lnRef idx="2">
+            <a:schemeClr val="accent2">
+              <a:shade val="50000"/>
+            </a:schemeClr>
+          </a:lnRef>
+          <a:fillRef idx="1">
+            <a:schemeClr val="accent2"/>
+          </a:fillRef>
+          <a:effectRef idx="0">
+            <a:schemeClr val="accent2"/>
+          </a:effectRef>
+          <a:fontRef idx="minor">
+            <a:schemeClr val="lt1"/>
+          </a:fontRef>
+        </p:style>
+        <p:txBody>
+          <a:bodyPr rtlCol="0" anchor="ctr"/>
+          <a:lstStyle/>
+          <a:p>
+            <a:pPr algn="ctr"/>
+            <a:endParaRPr lang="es-MX"/>
+          </a:p>
+        </p:txBody>
+      </p:sp>
+      <p:sp>
+        <p:nvSpPr>
+          <p:cNvPr id="9" name="CuadroTexto 8">
+            <a:extLst>
+              <a:ext uri="{FF2B5EF4-FFF2-40B4-BE49-F238E27FC236}">
+                <a16:creationId xmlns:a16="http://schemas.microsoft.com/office/drawing/2014/main" id="{2BBEC0D2-63EA-4599-914F-8EEF02CA6755}"/>
+              </a:ext>
+            </a:extLst>
+          </p:cNvPr>
+          <p:cNvSpPr txBox="1"/>
+          <p:nvPr/>
+        </p:nvSpPr>
+        <p:spPr>
+          <a:xfrm>
+            <a:off x="1350470" y="1951890"/>
+            <a:ext cx="4745530" cy="3693319"/>
+          </a:xfrm>
+          <a:prstGeom prst="rect">
+            <a:avLst/>
+          </a:prstGeom>
+          <a:noFill/>
+        </p:spPr>
+        <p:txBody>
+          <a:bodyPr wrap="none" rtlCol="0">
+            <a:spAutoFit/>
+          </a:bodyPr>
+          <a:lstStyle/>
+          <a:p>
+            <a:r>
+              <a:rPr lang="fr-FR" dirty="0">
+                <a:solidFill>
+                  <a:schemeClr val="bg1">
+                    <a:lumMod val="65000"/>
+                  </a:schemeClr>
+                </a:solidFill>
+              </a:rPr>
+              <a:t>&lt;</a:t>
+            </a:r>
+            <a:r>
+              <a:rPr lang="fr-FR" dirty="0">
+                <a:solidFill>
+                  <a:schemeClr val="accent6"/>
+                </a:solidFill>
+              </a:rPr>
+              <a:t>script</a:t>
+            </a:r>
+            <a:r>
+              <a:rPr lang="fr-FR" dirty="0">
+                <a:solidFill>
+                  <a:schemeClr val="bg1">
+                    <a:lumMod val="65000"/>
+                  </a:schemeClr>
+                </a:solidFill>
+              </a:rPr>
+              <a:t> </a:t>
+            </a:r>
+            <a:r>
+              <a:rPr lang="fr-FR" dirty="0">
+                <a:solidFill>
+                  <a:srgbClr val="FF0000"/>
+                </a:solidFill>
+              </a:rPr>
+              <a:t>src </a:t>
+            </a:r>
+            <a:r>
+              <a:rPr lang="fr-FR" dirty="0">
+                <a:solidFill>
+                  <a:schemeClr val="bg1">
+                    <a:lumMod val="65000"/>
+                  </a:schemeClr>
+                </a:solidFill>
+              </a:rPr>
+              <a:t>= "</a:t>
+            </a:r>
+            <a:r>
+              <a:rPr lang="fr-FR" dirty="0">
+                <a:solidFill>
+                  <a:schemeClr val="accent6"/>
+                </a:solidFill>
+              </a:rPr>
+              <a:t>scripts/main.js</a:t>
+            </a:r>
+            <a:r>
+              <a:rPr lang="fr-FR" dirty="0">
+                <a:solidFill>
+                  <a:schemeClr val="bg1">
+                    <a:lumMod val="65000"/>
+                  </a:schemeClr>
+                </a:solidFill>
+              </a:rPr>
+              <a:t>"&gt;</a:t>
+            </a:r>
+          </a:p>
+          <a:p>
+            <a:endParaRPr lang="fr-FR" dirty="0">
+              <a:solidFill>
+                <a:schemeClr val="bg1">
+                  <a:lumMod val="65000"/>
+                </a:schemeClr>
+              </a:solidFill>
+            </a:endParaRPr>
+          </a:p>
+          <a:p>
+            <a:r>
+              <a:rPr lang="es-ES" dirty="0">
+                <a:solidFill>
+                  <a:schemeClr val="bg1">
+                    <a:lumMod val="65000"/>
+                  </a:schemeClr>
+                </a:solidFill>
+              </a:rPr>
+              <a:t>/*</a:t>
+            </a:r>
+          </a:p>
+          <a:p>
+            <a:r>
+              <a:rPr lang="es-ES" dirty="0">
+                <a:solidFill>
+                  <a:schemeClr val="bg1">
+                    <a:lumMod val="65000"/>
+                  </a:schemeClr>
+                </a:solidFill>
+              </a:rPr>
+              <a:t>Esto es un comentario</a:t>
+            </a:r>
+          </a:p>
+          <a:p>
+            <a:r>
+              <a:rPr lang="es-ES" dirty="0">
+                <a:solidFill>
+                  <a:schemeClr val="bg1">
+                    <a:lumMod val="65000"/>
+                  </a:schemeClr>
+                </a:solidFill>
+              </a:rPr>
+              <a:t>de varias líneas.</a:t>
+            </a:r>
+          </a:p>
+          <a:p>
+            <a:r>
+              <a:rPr lang="es-ES" dirty="0">
+                <a:solidFill>
+                  <a:schemeClr val="bg1">
+                    <a:lumMod val="65000"/>
+                  </a:schemeClr>
+                </a:solidFill>
+              </a:rPr>
+              <a:t>*/</a:t>
+            </a:r>
+            <a:endParaRPr lang="fr-FR" dirty="0">
+              <a:solidFill>
+                <a:schemeClr val="bg1">
+                  <a:lumMod val="65000"/>
+                </a:schemeClr>
+              </a:solidFill>
+            </a:endParaRPr>
+          </a:p>
+          <a:p>
+            <a:endParaRPr lang="pt-BR" dirty="0">
+              <a:solidFill>
+                <a:schemeClr val="accent1"/>
+              </a:solidFill>
+            </a:endParaRPr>
+          </a:p>
+          <a:p>
+            <a:r>
+              <a:rPr lang="pt-BR" dirty="0" err="1">
+                <a:solidFill>
+                  <a:schemeClr val="accent1"/>
+                </a:solidFill>
+              </a:rPr>
+              <a:t>const</a:t>
+            </a:r>
+            <a:r>
+              <a:rPr lang="pt-BR" dirty="0">
+                <a:solidFill>
+                  <a:schemeClr val="bg1"/>
+                </a:solidFill>
+              </a:rPr>
+              <a:t> </a:t>
+            </a:r>
+            <a:r>
+              <a:rPr lang="pt-BR" dirty="0" err="1">
+                <a:solidFill>
+                  <a:schemeClr val="bg1"/>
+                </a:solidFill>
+              </a:rPr>
+              <a:t>miTitulo</a:t>
+            </a:r>
+            <a:r>
+              <a:rPr lang="pt-BR" dirty="0">
+                <a:solidFill>
+                  <a:schemeClr val="bg1"/>
+                </a:solidFill>
+              </a:rPr>
+              <a:t> = </a:t>
+            </a:r>
+            <a:r>
+              <a:rPr lang="pt-BR" dirty="0" err="1">
+                <a:solidFill>
+                  <a:schemeClr val="bg1"/>
+                </a:solidFill>
+              </a:rPr>
+              <a:t>document.</a:t>
+            </a:r>
+            <a:r>
+              <a:rPr lang="pt-BR" dirty="0" err="1">
+                <a:solidFill>
+                  <a:srgbClr val="FF0000"/>
+                </a:solidFill>
+              </a:rPr>
+              <a:t>querySelector</a:t>
+            </a:r>
+            <a:r>
+              <a:rPr lang="pt-BR" dirty="0">
+                <a:solidFill>
+                  <a:srgbClr val="FF0000"/>
+                </a:solidFill>
+              </a:rPr>
+              <a:t> </a:t>
+            </a:r>
+            <a:r>
+              <a:rPr lang="pt-BR" dirty="0">
+                <a:solidFill>
+                  <a:schemeClr val="bg1"/>
+                </a:solidFill>
+              </a:rPr>
+              <a:t>(</a:t>
+            </a:r>
+            <a:r>
+              <a:rPr lang="pt-BR" dirty="0">
+                <a:solidFill>
+                  <a:schemeClr val="accent6"/>
+                </a:solidFill>
+              </a:rPr>
+              <a:t>"h1"</a:t>
+            </a:r>
+            <a:r>
+              <a:rPr lang="pt-BR" dirty="0">
+                <a:solidFill>
+                  <a:schemeClr val="bg1"/>
+                </a:solidFill>
+              </a:rPr>
+              <a:t>);</a:t>
+            </a:r>
+          </a:p>
+          <a:p>
+            <a:r>
+              <a:rPr lang="pt-BR" dirty="0" err="1">
+                <a:solidFill>
+                  <a:schemeClr val="bg1"/>
+                </a:solidFill>
+              </a:rPr>
+              <a:t>miTitulo.textContent</a:t>
+            </a:r>
+            <a:r>
+              <a:rPr lang="pt-BR" dirty="0">
+                <a:solidFill>
+                  <a:schemeClr val="bg1"/>
+                </a:solidFill>
+              </a:rPr>
+              <a:t> = </a:t>
+            </a:r>
+            <a:r>
+              <a:rPr lang="pt-BR" dirty="0">
+                <a:solidFill>
+                  <a:schemeClr val="accent6"/>
+                </a:solidFill>
+              </a:rPr>
+              <a:t>"¡</a:t>
+            </a:r>
+            <a:r>
+              <a:rPr lang="pt-BR" dirty="0" err="1">
+                <a:solidFill>
+                  <a:schemeClr val="accent6"/>
+                </a:solidFill>
+              </a:rPr>
+              <a:t>Hola</a:t>
+            </a:r>
+            <a:r>
+              <a:rPr lang="pt-BR" dirty="0">
+                <a:solidFill>
+                  <a:schemeClr val="accent6"/>
+                </a:solidFill>
+              </a:rPr>
+              <a:t> mundo!"</a:t>
+            </a:r>
+            <a:r>
+              <a:rPr lang="pt-BR" dirty="0">
+                <a:solidFill>
+                  <a:schemeClr val="bg1"/>
+                </a:solidFill>
+              </a:rPr>
+              <a:t>;</a:t>
+            </a:r>
+          </a:p>
+          <a:p>
+            <a:endParaRPr lang="es-MX" dirty="0"/>
+          </a:p>
+          <a:p>
+            <a:r>
+              <a:rPr lang="es-MX" dirty="0">
+                <a:solidFill>
+                  <a:schemeClr val="bg1">
+                    <a:lumMod val="50000"/>
+                  </a:schemeClr>
+                </a:solidFill>
+              </a:rPr>
+              <a:t>// Esto es un comentario</a:t>
+            </a:r>
+          </a:p>
+          <a:p>
+            <a:endParaRPr lang="es-MX" dirty="0"/>
+          </a:p>
+          <a:p>
+            <a:r>
+              <a:rPr lang="fr-FR" dirty="0">
+                <a:solidFill>
+                  <a:schemeClr val="bg1">
+                    <a:lumMod val="65000"/>
+                  </a:schemeClr>
+                </a:solidFill>
+              </a:rPr>
+              <a:t>&lt;/</a:t>
+            </a:r>
+            <a:r>
+              <a:rPr lang="fr-FR" dirty="0">
+                <a:solidFill>
+                  <a:schemeClr val="accent6"/>
+                </a:solidFill>
+              </a:rPr>
+              <a:t>script</a:t>
+            </a:r>
+            <a:r>
+              <a:rPr lang="fr-FR" dirty="0">
+                <a:solidFill>
+                  <a:schemeClr val="bg1">
+                    <a:lumMod val="65000"/>
+                  </a:schemeClr>
+                </a:solidFill>
+              </a:rPr>
+              <a:t>&gt;</a:t>
+            </a:r>
+            <a:endParaRPr lang="es-MX" dirty="0">
+              <a:solidFill>
+                <a:schemeClr val="bg1">
+                  <a:lumMod val="65000"/>
+                </a:schemeClr>
+              </a:solidFill>
+            </a:endParaRPr>
+          </a:p>
+        </p:txBody>
+      </p:sp>
+      <p:sp>
+        <p:nvSpPr>
+          <p:cNvPr id="11" name="CuadroTexto 10">
+            <a:extLst>
+              <a:ext uri="{FF2B5EF4-FFF2-40B4-BE49-F238E27FC236}">
+                <a16:creationId xmlns:a16="http://schemas.microsoft.com/office/drawing/2014/main" id="{522FEC4E-E72A-498E-B309-2C2F46B6B6AB}"/>
+              </a:ext>
+            </a:extLst>
+          </p:cNvPr>
+          <p:cNvSpPr txBox="1"/>
+          <p:nvPr/>
+        </p:nvSpPr>
+        <p:spPr>
+          <a:xfrm>
+            <a:off x="2150849" y="0"/>
+            <a:ext cx="7079182" cy="769441"/>
+          </a:xfrm>
+          <a:prstGeom prst="rect">
+            <a:avLst/>
+          </a:prstGeom>
+          <a:noFill/>
+        </p:spPr>
+        <p:txBody>
+          <a:bodyPr wrap="none" rtlCol="0">
+            <a:spAutoFit/>
+          </a:bodyPr>
+          <a:lstStyle/>
+          <a:p>
+            <a:r>
+              <a:rPr lang="es-MX" sz="4400" dirty="0">
+                <a:solidFill>
+                  <a:schemeClr val="tx1">
+                    <a:lumMod val="95000"/>
+                    <a:lumOff val="5000"/>
+                  </a:schemeClr>
+                </a:solidFill>
+                <a:latin typeface="OCR A Std" panose="020F0609000104060307" pitchFamily="49" charset="0"/>
+                <a:ea typeface="+mj-ea"/>
+                <a:cs typeface="+mj-cs"/>
+              </a:rPr>
+              <a:t>Ejemplo de código</a:t>
+            </a:r>
+          </a:p>
+        </p:txBody>
+      </p:sp>
+    </p:spTree>
+    <p:extLst>
+      <p:ext uri="{BB962C8B-B14F-4D97-AF65-F5344CB8AC3E}">
+        <p14:creationId xmlns:p14="http://schemas.microsoft.com/office/powerpoint/2010/main" val="744253998"/>
       </p:ext>
     </p:extLst>
   </p:cSld>
